--- a/audiovisual_presentation.pptx
+++ b/audiovisual_presentation.pptx
@@ -14,9 +14,10 @@
     <p:sldId id="262" r:id="rId8"/>
     <p:sldId id="263" r:id="rId9"/>
     <p:sldId id="264" r:id="rId10"/>
-    <p:sldId id="265" r:id="rId11"/>
-    <p:sldId id="267" r:id="rId12"/>
-    <p:sldId id="266" r:id="rId13"/>
+    <p:sldId id="268" r:id="rId11"/>
+    <p:sldId id="265" r:id="rId12"/>
+    <p:sldId id="267" r:id="rId13"/>
+    <p:sldId id="266" r:id="rId14"/>
   </p:sldIdLst>
   <p:sldSz cx="12192000" cy="6858000"/>
   <p:notesSz cx="12192000" cy="6858000"/>
@@ -738,7 +739,7 @@
           <a:p>
             <a:fld id="{1D8BD707-D9CF-40AE-B4C6-C98DA3205C09}" type="datetimeFigureOut">
               <a:rPr lang="en-US"/>
-              <a:t>7/25/2025</a:t>
+              <a:t>7/28/2025</a:t>
             </a:fld>
             <a:endParaRPr lang="en-US"/>
           </a:p>
@@ -1436,7 +1437,7 @@
           <a:p>
             <a:fld id="{1D8BD707-D9CF-40AE-B4C6-C98DA3205C09}" type="datetimeFigureOut">
               <a:rPr lang="en-US"/>
-              <a:t>7/25/2025</a:t>
+              <a:t>7/28/2025</a:t>
             </a:fld>
             <a:endParaRPr lang="en-US"/>
           </a:p>
@@ -1650,7 +1651,7 @@
           <a:p>
             <a:fld id="{1D8BD707-D9CF-40AE-B4C6-C98DA3205C09}" type="datetimeFigureOut">
               <a:rPr lang="en-US"/>
-              <a:t>7/25/2025</a:t>
+              <a:t>7/28/2025</a:t>
             </a:fld>
             <a:endParaRPr lang="en-US"/>
           </a:p>
@@ -2297,7 +2298,7 @@
           <a:p>
             <a:fld id="{1D8BD707-D9CF-40AE-B4C6-C98DA3205C09}" type="datetimeFigureOut">
               <a:rPr lang="en-US"/>
-              <a:t>7/25/2025</a:t>
+              <a:t>7/28/2025</a:t>
             </a:fld>
             <a:endParaRPr lang="en-US"/>
           </a:p>
@@ -2416,7 +2417,7 @@
           <a:p>
             <a:fld id="{1D8BD707-D9CF-40AE-B4C6-C98DA3205C09}" type="datetimeFigureOut">
               <a:rPr lang="en-US"/>
-              <a:t>7/25/2025</a:t>
+              <a:t>7/28/2025</a:t>
             </a:fld>
             <a:endParaRPr lang="en-US"/>
           </a:p>
@@ -3083,7 +3084,7 @@
           <a:p>
             <a:fld id="{1D8BD707-D9CF-40AE-B4C6-C98DA3205C09}" type="datetimeFigureOut">
               <a:rPr lang="en-US"/>
-              <a:t>7/25/2025</a:t>
+              <a:t>7/28/2025</a:t>
             </a:fld>
             <a:endParaRPr lang="en-US"/>
           </a:p>
@@ -4238,60 +4239,22 @@
       </p:grpSpPr>
       <p:sp>
         <p:nvSpPr>
-          <p:cNvPr id="2" name="object 2"/>
-          <p:cNvSpPr txBox="1">
-            <a:spLocks noGrp="1"/>
-          </p:cNvSpPr>
-          <p:nvPr>
-            <p:ph type="title"/>
-          </p:nvPr>
-        </p:nvSpPr>
-        <p:spPr>
-          <a:prstGeom prst="rect">
-            <a:avLst/>
-          </a:prstGeom>
-        </p:spPr>
-        <p:txBody>
-          <a:bodyPr vert="horz" wrap="square" lIns="0" tIns="164084" rIns="0" bIns="0" rtlCol="0">
-            <a:spAutoFit/>
-          </a:bodyPr>
-          <a:lstStyle/>
-          <a:p>
-            <a:pPr marL="3680460">
-              <a:lnSpc>
-                <a:spcPct val="100000"/>
-              </a:lnSpc>
-              <a:spcBef>
-                <a:spcPts val="95"/>
-              </a:spcBef>
-            </a:pPr>
-            <a:r>
-              <a:rPr spc="-25" dirty="0"/>
-              <a:t>RECOMMENDATIONS</a:t>
-            </a:r>
-          </a:p>
-        </p:txBody>
-      </p:sp>
-      <p:sp>
-        <p:nvSpPr>
-          <p:cNvPr id="13" name="Rectangle 4">
+          <p:cNvPr id="4" name="Rectangle 2">
             <a:extLst>
               <a:ext uri="{FF2B5EF4-FFF2-40B4-BE49-F238E27FC236}">
-                <a16:creationId xmlns:a16="http://schemas.microsoft.com/office/drawing/2014/main" id="{E670A63A-9677-460A-C717-39160FB6C14D}"/>
+                <a16:creationId xmlns:a16="http://schemas.microsoft.com/office/drawing/2014/main" id="{7348BF72-7927-E82F-A7A7-C9D11FA504FA}"/>
               </a:ext>
             </a:extLst>
           </p:cNvPr>
           <p:cNvSpPr>
-            <a:spLocks noGrp="1" noChangeArrowheads="1"/>
+            <a:spLocks noChangeArrowheads="1"/>
           </p:cNvSpPr>
-          <p:nvPr>
-            <p:ph type="body" idx="4294967295"/>
-          </p:nvPr>
+          <p:nvPr/>
         </p:nvSpPr>
         <p:spPr bwMode="auto">
           <a:xfrm>
-            <a:off x="0" y="930275"/>
-            <a:ext cx="11576050" cy="3540125"/>
+            <a:off x="76200" y="1049888"/>
+            <a:ext cx="11734800" cy="5970865"/>
           </a:xfrm>
           <a:prstGeom prst="rect">
             <a:avLst/>
@@ -4338,6 +4301,35 @@
             <a:spAutoFit/>
           </a:bodyPr>
           <a:lstStyle/>
+          <a:p>
+            <a:pPr marL="0" marR="0" lvl="0" indent="0" algn="l" defTabSz="914400" rtl="0" eaLnBrk="0" fontAlgn="base" latinLnBrk="0" hangingPunct="0">
+              <a:lnSpc>
+                <a:spcPct val="100000"/>
+              </a:lnSpc>
+              <a:spcBef>
+                <a:spcPct val="0"/>
+              </a:spcBef>
+              <a:spcAft>
+                <a:spcPct val="0"/>
+              </a:spcAft>
+              <a:buClrTx/>
+              <a:buSzTx/>
+              <a:buFontTx/>
+              <a:buNone/>
+              <a:tabLst/>
+            </a:pPr>
+            <a:endParaRPr kumimoji="0" lang="en-US" altLang="en-US" sz="2800" b="1" i="0" u="none" strike="noStrike" cap="none" normalizeH="0" baseline="0" dirty="0">
+              <a:ln>
+                <a:noFill/>
+              </a:ln>
+              <a:solidFill>
+                <a:schemeClr val="tx1"/>
+              </a:solidFill>
+              <a:effectLst/>
+              <a:latin typeface="Times New Roman" panose="02020603050405020304" pitchFamily="18" charset="0"/>
+              <a:cs typeface="Times New Roman" panose="02020603050405020304" pitchFamily="18" charset="0"/>
+            </a:endParaRPr>
+          </a:p>
           <a:p>
             <a:pPr marL="0" marR="0" lvl="0" indent="0" algn="l" defTabSz="914400" rtl="0" eaLnBrk="0" fontAlgn="base" latinLnBrk="0" hangingPunct="0">
               <a:lnSpc>
@@ -4356,6 +4348,20 @@
               <a:tabLst/>
             </a:pPr>
             <a:r>
+              <a:rPr kumimoji="0" lang="en-US" altLang="en-US" sz="2800" b="1" i="0" u="none" strike="noStrike" cap="none" normalizeH="0" baseline="0" dirty="0">
+                <a:ln>
+                  <a:noFill/>
+                </a:ln>
+                <a:solidFill>
+                  <a:schemeClr val="tx1"/>
+                </a:solidFill>
+                <a:effectLst/>
+                <a:latin typeface="Times New Roman" panose="02020603050405020304" pitchFamily="18" charset="0"/>
+                <a:cs typeface="Times New Roman" panose="02020603050405020304" pitchFamily="18" charset="0"/>
+              </a:rPr>
+              <a:t>Missing Data</a:t>
+            </a:r>
+            <a:r>
               <a:rPr kumimoji="0" lang="en-US" altLang="en-US" sz="2800" b="0" i="0" u="none" strike="noStrike" cap="none" normalizeH="0" baseline="0" dirty="0">
                 <a:ln>
                   <a:noFill/>
@@ -4367,35 +4373,7 @@
                 <a:latin typeface="Times New Roman" panose="02020603050405020304" pitchFamily="18" charset="0"/>
                 <a:cs typeface="Times New Roman" panose="02020603050405020304" pitchFamily="18" charset="0"/>
               </a:rPr>
-              <a:t>Use the ML model as a </a:t>
-            </a:r>
-            <a:r>
-              <a:rPr kumimoji="0" lang="en-US" altLang="en-US" sz="2800" b="1" i="0" u="none" strike="noStrike" cap="none" normalizeH="0" baseline="0" dirty="0">
-                <a:ln>
-                  <a:noFill/>
-                </a:ln>
-                <a:solidFill>
-                  <a:schemeClr val="tx1"/>
-                </a:solidFill>
-                <a:effectLst/>
-                <a:latin typeface="Times New Roman" panose="02020603050405020304" pitchFamily="18" charset="0"/>
-                <a:cs typeface="Times New Roman" panose="02020603050405020304" pitchFamily="18" charset="0"/>
-              </a:rPr>
-              <a:t>pre-screening tool</a:t>
-            </a:r>
-            <a:r>
-              <a:rPr kumimoji="0" lang="en-US" altLang="en-US" sz="2800" b="0" i="0" u="none" strike="noStrike" cap="none" normalizeH="0" baseline="0" dirty="0">
-                <a:ln>
-                  <a:noFill/>
-                </a:ln>
-                <a:solidFill>
-                  <a:schemeClr val="tx1"/>
-                </a:solidFill>
-                <a:effectLst/>
-                <a:latin typeface="Times New Roman" panose="02020603050405020304" pitchFamily="18" charset="0"/>
-                <a:cs typeface="Times New Roman" panose="02020603050405020304" pitchFamily="18" charset="0"/>
-              </a:rPr>
-              <a:t> for faster content review.</a:t>
+              <a:t>: Key columns like VENUE and CONTACT had many null values.</a:t>
             </a:r>
           </a:p>
           <a:p>
@@ -4427,7 +4405,7 @@
                 <a:latin typeface="Times New Roman" panose="02020603050405020304" pitchFamily="18" charset="0"/>
                 <a:cs typeface="Times New Roman" panose="02020603050405020304" pitchFamily="18" charset="0"/>
               </a:rPr>
-              <a:t>Integrate API</a:t>
+              <a:t>Data Cleaning</a:t>
             </a:r>
             <a:r>
               <a:rPr kumimoji="0" lang="en-US" altLang="en-US" sz="2800" b="0" i="0" u="none" strike="noStrike" cap="none" normalizeH="0" baseline="0" dirty="0">
@@ -4441,7 +4419,7 @@
                 <a:latin typeface="Times New Roman" panose="02020603050405020304" pitchFamily="18" charset="0"/>
                 <a:cs typeface="Times New Roman" panose="02020603050405020304" pitchFamily="18" charset="0"/>
               </a:rPr>
-              <a:t> with KFCB or streaming platforms for real-time classification.</a:t>
+              <a:t>: Inconsistent formats in fields like DURATION(MINS) required extensive preprocessing.</a:t>
             </a:r>
           </a:p>
           <a:p>
@@ -4462,6 +4440,20 @@
               <a:tabLst/>
             </a:pPr>
             <a:r>
+              <a:rPr kumimoji="0" lang="en-US" altLang="en-US" sz="2800" b="1" i="0" u="none" strike="noStrike" cap="none" normalizeH="0" baseline="0" dirty="0">
+                <a:ln>
+                  <a:noFill/>
+                </a:ln>
+                <a:solidFill>
+                  <a:schemeClr val="tx1"/>
+                </a:solidFill>
+                <a:effectLst/>
+                <a:latin typeface="Times New Roman" panose="02020603050405020304" pitchFamily="18" charset="0"/>
+                <a:cs typeface="Times New Roman" panose="02020603050405020304" pitchFamily="18" charset="0"/>
+              </a:rPr>
+              <a:t>Class Imbalance</a:t>
+            </a:r>
+            <a:r>
               <a:rPr kumimoji="0" lang="en-US" altLang="en-US" sz="2800" b="0" i="0" u="none" strike="noStrike" cap="none" normalizeH="0" baseline="0" dirty="0">
                 <a:ln>
                   <a:noFill/>
@@ -4473,35 +4465,7 @@
                 <a:latin typeface="Times New Roman" panose="02020603050405020304" pitchFamily="18" charset="0"/>
                 <a:cs typeface="Times New Roman" panose="02020603050405020304" pitchFamily="18" charset="0"/>
               </a:rPr>
-              <a:t>Switch to </a:t>
-            </a:r>
-            <a:r>
-              <a:rPr kumimoji="0" lang="en-US" altLang="en-US" sz="2800" b="1" i="0" u="none" strike="noStrike" cap="none" normalizeH="0" baseline="0" dirty="0">
-                <a:ln>
-                  <a:noFill/>
-                </a:ln>
-                <a:solidFill>
-                  <a:schemeClr val="tx1"/>
-                </a:solidFill>
-                <a:effectLst/>
-                <a:latin typeface="Times New Roman" panose="02020603050405020304" pitchFamily="18" charset="0"/>
-                <a:cs typeface="Times New Roman" panose="02020603050405020304" pitchFamily="18" charset="0"/>
-              </a:rPr>
-              <a:t>transformer models</a:t>
-            </a:r>
-            <a:r>
-              <a:rPr kumimoji="0" lang="en-US" altLang="en-US" sz="2800" b="0" i="0" u="none" strike="noStrike" cap="none" normalizeH="0" baseline="0" dirty="0">
-                <a:ln>
-                  <a:noFill/>
-                </a:ln>
-                <a:solidFill>
-                  <a:schemeClr val="tx1"/>
-                </a:solidFill>
-                <a:effectLst/>
-                <a:latin typeface="Times New Roman" panose="02020603050405020304" pitchFamily="18" charset="0"/>
-                <a:cs typeface="Times New Roman" panose="02020603050405020304" pitchFamily="18" charset="0"/>
-              </a:rPr>
-              <a:t> (e.g., BERT) for better text analysis.</a:t>
+              <a:t>: Rare ratings like 'R' had very few samples, hurting model recall.</a:t>
             </a:r>
           </a:p>
           <a:p>
@@ -4522,6 +4486,20 @@
               <a:tabLst/>
             </a:pPr>
             <a:r>
+              <a:rPr kumimoji="0" lang="en-US" altLang="en-US" sz="2800" b="1" i="0" u="none" strike="noStrike" cap="none" normalizeH="0" baseline="0" dirty="0">
+                <a:ln>
+                  <a:noFill/>
+                </a:ln>
+                <a:solidFill>
+                  <a:schemeClr val="tx1"/>
+                </a:solidFill>
+                <a:effectLst/>
+                <a:latin typeface="Times New Roman" panose="02020603050405020304" pitchFamily="18" charset="0"/>
+                <a:cs typeface="Times New Roman" panose="02020603050405020304" pitchFamily="18" charset="0"/>
+              </a:rPr>
+              <a:t>Similar Class Overlap</a:t>
+            </a:r>
+            <a:r>
               <a:rPr kumimoji="0" lang="en-US" altLang="en-US" sz="2800" b="0" i="0" u="none" strike="noStrike" cap="none" normalizeH="0" baseline="0" dirty="0">
                 <a:ln>
                   <a:noFill/>
@@ -4533,35 +4511,7 @@
                 <a:latin typeface="Times New Roman" panose="02020603050405020304" pitchFamily="18" charset="0"/>
                 <a:cs typeface="Times New Roman" panose="02020603050405020304" pitchFamily="18" charset="0"/>
               </a:rPr>
-              <a:t>Apply </a:t>
-            </a:r>
-            <a:r>
-              <a:rPr kumimoji="0" lang="en-US" altLang="en-US" sz="2800" b="1" i="0" u="none" strike="noStrike" cap="none" normalizeH="0" baseline="0" dirty="0">
-                <a:ln>
-                  <a:noFill/>
-                </a:ln>
-                <a:solidFill>
-                  <a:schemeClr val="tx1"/>
-                </a:solidFill>
-                <a:effectLst/>
-                <a:latin typeface="Times New Roman" panose="02020603050405020304" pitchFamily="18" charset="0"/>
-                <a:cs typeface="Times New Roman" panose="02020603050405020304" pitchFamily="18" charset="0"/>
-              </a:rPr>
-              <a:t>SMOTE or class weighting</a:t>
-            </a:r>
-            <a:r>
-              <a:rPr kumimoji="0" lang="en-US" altLang="en-US" sz="2800" b="0" i="0" u="none" strike="noStrike" cap="none" normalizeH="0" baseline="0" dirty="0">
-                <a:ln>
-                  <a:noFill/>
-                </a:ln>
-                <a:solidFill>
-                  <a:schemeClr val="tx1"/>
-                </a:solidFill>
-                <a:effectLst/>
-                <a:latin typeface="Times New Roman" panose="02020603050405020304" pitchFamily="18" charset="0"/>
-                <a:cs typeface="Times New Roman" panose="02020603050405020304" pitchFamily="18" charset="0"/>
-              </a:rPr>
-              <a:t> to handle rating imbalance.</a:t>
+              <a:t>: Models confused PG, 16, and 18 due to feature similarity.</a:t>
             </a:r>
           </a:p>
           <a:p>
@@ -4582,6 +4532,20 @@
               <a:tabLst/>
             </a:pPr>
             <a:r>
+              <a:rPr kumimoji="0" lang="en-US" altLang="en-US" sz="2800" b="1" i="0" u="none" strike="noStrike" cap="none" normalizeH="0" baseline="0" dirty="0">
+                <a:ln>
+                  <a:noFill/>
+                </a:ln>
+                <a:solidFill>
+                  <a:schemeClr val="tx1"/>
+                </a:solidFill>
+                <a:effectLst/>
+                <a:latin typeface="Times New Roman" panose="02020603050405020304" pitchFamily="18" charset="0"/>
+                <a:cs typeface="Times New Roman" panose="02020603050405020304" pitchFamily="18" charset="0"/>
+              </a:rPr>
+              <a:t>Text Feature Complexity</a:t>
+            </a:r>
+            <a:r>
               <a:rPr kumimoji="0" lang="en-US" altLang="en-US" sz="2800" b="0" i="0" u="none" strike="noStrike" cap="none" normalizeH="0" baseline="0" dirty="0">
                 <a:ln>
                   <a:noFill/>
@@ -4593,35 +4557,7 @@
                 <a:latin typeface="Times New Roman" panose="02020603050405020304" pitchFamily="18" charset="0"/>
                 <a:cs typeface="Times New Roman" panose="02020603050405020304" pitchFamily="18" charset="0"/>
               </a:rPr>
-              <a:t>Add </a:t>
-            </a:r>
-            <a:r>
-              <a:rPr kumimoji="0" lang="en-US" altLang="en-US" sz="2800" b="1" i="0" u="none" strike="noStrike" cap="none" normalizeH="0" baseline="0" dirty="0">
-                <a:ln>
-                  <a:noFill/>
-                </a:ln>
-                <a:solidFill>
-                  <a:schemeClr val="tx1"/>
-                </a:solidFill>
-                <a:effectLst/>
-                <a:latin typeface="Times New Roman" panose="02020603050405020304" pitchFamily="18" charset="0"/>
-                <a:cs typeface="Times New Roman" panose="02020603050405020304" pitchFamily="18" charset="0"/>
-              </a:rPr>
-              <a:t>human-in-the-loop</a:t>
-            </a:r>
-            <a:r>
-              <a:rPr kumimoji="0" lang="en-US" altLang="en-US" sz="2800" b="0" i="0" u="none" strike="noStrike" cap="none" normalizeH="0" baseline="0" dirty="0">
-                <a:ln>
-                  <a:noFill/>
-                </a:ln>
-                <a:solidFill>
-                  <a:schemeClr val="tx1"/>
-                </a:solidFill>
-                <a:effectLst/>
-                <a:latin typeface="Times New Roman" panose="02020603050405020304" pitchFamily="18" charset="0"/>
-                <a:cs typeface="Times New Roman" panose="02020603050405020304" pitchFamily="18" charset="0"/>
-              </a:rPr>
-              <a:t> feedback to improve accuracy over time.</a:t>
+              <a:t>: High-dimensional TF-IDF features from SYNOPSIS increased model complexity.</a:t>
             </a:r>
           </a:p>
           <a:p>
@@ -4642,6 +4578,20 @@
               <a:tabLst/>
             </a:pPr>
             <a:r>
+              <a:rPr kumimoji="0" lang="en-US" altLang="en-US" sz="2800" b="1" i="0" u="none" strike="noStrike" cap="none" normalizeH="0" baseline="0" dirty="0">
+                <a:ln>
+                  <a:noFill/>
+                </a:ln>
+                <a:solidFill>
+                  <a:schemeClr val="tx1"/>
+                </a:solidFill>
+                <a:effectLst/>
+                <a:latin typeface="Times New Roman" panose="02020603050405020304" pitchFamily="18" charset="0"/>
+                <a:cs typeface="Times New Roman" panose="02020603050405020304" pitchFamily="18" charset="0"/>
+              </a:rPr>
+              <a:t>Evaluation Limitation</a:t>
+            </a:r>
+            <a:r>
               <a:rPr kumimoji="0" lang="en-US" altLang="en-US" sz="2800" b="0" i="0" u="none" strike="noStrike" cap="none" normalizeH="0" baseline="0" dirty="0">
                 <a:ln>
                   <a:noFill/>
@@ -4653,10 +4603,70 @@
                 <a:latin typeface="Times New Roman" panose="02020603050405020304" pitchFamily="18" charset="0"/>
                 <a:cs typeface="Times New Roman" panose="02020603050405020304" pitchFamily="18" charset="0"/>
               </a:rPr>
-              <a:t>Build a </a:t>
-            </a:r>
-            <a:r>
-              <a:rPr kumimoji="0" lang="en-US" altLang="en-US" sz="2800" b="1" i="0" u="none" strike="noStrike" cap="none" normalizeH="0" baseline="0" dirty="0">
+              <a:t>: Low support for rare classes affected confusion matrix reliability.</a:t>
+            </a:r>
+          </a:p>
+          <a:p>
+            <a:pPr marL="0" marR="0" lvl="0" indent="0" algn="l" defTabSz="914400" rtl="0" eaLnBrk="0" fontAlgn="base" latinLnBrk="0" hangingPunct="0">
+              <a:lnSpc>
+                <a:spcPct val="100000"/>
+              </a:lnSpc>
+              <a:spcBef>
+                <a:spcPct val="0"/>
+              </a:spcBef>
+              <a:spcAft>
+                <a:spcPct val="0"/>
+              </a:spcAft>
+              <a:buClrTx/>
+              <a:buSzTx/>
+              <a:buFontTx/>
+              <a:buNone/>
+              <a:tabLst/>
+            </a:pPr>
+            <a:endParaRPr kumimoji="0" lang="en-US" altLang="en-US" sz="1800" b="0" i="0" u="none" strike="noStrike" cap="none" normalizeH="0" baseline="0" dirty="0">
+              <a:ln>
+                <a:noFill/>
+              </a:ln>
+              <a:solidFill>
+                <a:schemeClr val="tx1"/>
+              </a:solidFill>
+              <a:effectLst/>
+              <a:latin typeface="Arial" panose="020B0604020202020204" pitchFamily="34" charset="0"/>
+            </a:endParaRPr>
+          </a:p>
+        </p:txBody>
+      </p:sp>
+      <p:sp>
+        <p:nvSpPr>
+          <p:cNvPr id="5" name="TextBox 4">
+            <a:extLst>
+              <a:ext uri="{FF2B5EF4-FFF2-40B4-BE49-F238E27FC236}">
+                <a16:creationId xmlns:a16="http://schemas.microsoft.com/office/drawing/2014/main" id="{282F6FA8-4389-5F84-B9C7-F6792501A365}"/>
+              </a:ext>
+            </a:extLst>
+          </p:cNvPr>
+          <p:cNvSpPr txBox="1"/>
+          <p:nvPr/>
+        </p:nvSpPr>
+        <p:spPr>
+          <a:xfrm>
+            <a:off x="2362200" y="304800"/>
+            <a:ext cx="7162800" cy="923330"/>
+          </a:xfrm>
+          <a:prstGeom prst="rect">
+            <a:avLst/>
+          </a:prstGeom>
+          <a:noFill/>
+        </p:spPr>
+        <p:txBody>
+          <a:bodyPr wrap="square" rtlCol="0">
+            <a:spAutoFit/>
+          </a:bodyPr>
+          <a:lstStyle/>
+          <a:p>
+            <a:pPr algn="ctr" rtl="0"/>
+            <a:r>
+              <a:rPr kumimoji="0" lang="en-US" altLang="en-US" sz="3600" b="1" i="0" u="none" strike="noStrike" cap="none" normalizeH="0" baseline="0" dirty="0">
                 <a:ln>
                   <a:noFill/>
                 </a:ln>
@@ -4667,23 +4677,146 @@
                 <a:latin typeface="Times New Roman" panose="02020603050405020304" pitchFamily="18" charset="0"/>
                 <a:cs typeface="Times New Roman" panose="02020603050405020304" pitchFamily="18" charset="0"/>
               </a:rPr>
-              <a:t>parental control app</a:t>
-            </a:r>
-            <a:r>
-              <a:rPr kumimoji="0" lang="en-US" altLang="en-US" sz="2800" b="0" i="0" u="none" strike="noStrike" cap="none" normalizeH="0" baseline="0" dirty="0">
-                <a:ln>
-                  <a:noFill/>
-                </a:ln>
+              <a:t>Project Challenges</a:t>
+            </a:r>
+          </a:p>
+          <a:p>
+            <a:endParaRPr lang="en-US" dirty="0"/>
+          </a:p>
+        </p:txBody>
+      </p:sp>
+    </p:spTree>
+    <p:extLst>
+      <p:ext uri="{BB962C8B-B14F-4D97-AF65-F5344CB8AC3E}">
+        <p14:creationId xmlns:p14="http://schemas.microsoft.com/office/powerpoint/2010/main" val="2859575971"/>
+      </p:ext>
+    </p:extLst>
+  </p:cSld>
+  <p:clrMapOvr>
+    <a:masterClrMapping/>
+  </p:clrMapOvr>
+</p:sld>
+</file>
+
+<file path=ppt/slides/slide11.xml><?xml version="1.0" encoding="utf-8"?>
+<p:sld xmlns:a="http://schemas.openxmlformats.org/drawingml/2006/main" xmlns:r="http://schemas.openxmlformats.org/officeDocument/2006/relationships" xmlns:p="http://schemas.openxmlformats.org/presentationml/2006/main">
+  <p:cSld>
+    <p:spTree>
+      <p:nvGrpSpPr>
+        <p:cNvPr id="1" name=""/>
+        <p:cNvGrpSpPr/>
+        <p:nvPr/>
+      </p:nvGrpSpPr>
+      <p:grpSpPr>
+        <a:xfrm>
+          <a:off x="0" y="0"/>
+          <a:ext cx="0" cy="0"/>
+          <a:chOff x="0" y="0"/>
+          <a:chExt cx="0" cy="0"/>
+        </a:xfrm>
+      </p:grpSpPr>
+      <p:sp>
+        <p:nvSpPr>
+          <p:cNvPr id="2" name="object 2"/>
+          <p:cNvSpPr txBox="1">
+            <a:spLocks noGrp="1"/>
+          </p:cNvSpPr>
+          <p:nvPr>
+            <p:ph type="title"/>
+          </p:nvPr>
+        </p:nvSpPr>
+        <p:spPr>
+          <a:prstGeom prst="rect">
+            <a:avLst/>
+          </a:prstGeom>
+        </p:spPr>
+        <p:txBody>
+          <a:bodyPr vert="horz" wrap="square" lIns="0" tIns="164084" rIns="0" bIns="0" rtlCol="0">
+            <a:spAutoFit/>
+          </a:bodyPr>
+          <a:lstStyle/>
+          <a:p>
+            <a:pPr marL="3680460">
+              <a:lnSpc>
+                <a:spcPct val="100000"/>
+              </a:lnSpc>
+              <a:spcBef>
+                <a:spcPts val="95"/>
+              </a:spcBef>
+            </a:pPr>
+            <a:r>
+              <a:rPr spc="-25" dirty="0"/>
+              <a:t>RECOMMENDATIONS</a:t>
+            </a:r>
+          </a:p>
+        </p:txBody>
+      </p:sp>
+      <p:sp>
+        <p:nvSpPr>
+          <p:cNvPr id="13" name="Rectangle 4">
+            <a:extLst>
+              <a:ext uri="{FF2B5EF4-FFF2-40B4-BE49-F238E27FC236}">
+                <a16:creationId xmlns:a16="http://schemas.microsoft.com/office/drawing/2014/main" id="{E670A63A-9677-460A-C717-39160FB6C14D}"/>
+              </a:ext>
+            </a:extLst>
+          </p:cNvPr>
+          <p:cNvSpPr>
+            <a:spLocks noGrp="1" noChangeArrowheads="1"/>
+          </p:cNvSpPr>
+          <p:nvPr>
+            <p:ph type="body" idx="4294967295"/>
+          </p:nvPr>
+        </p:nvSpPr>
+        <p:spPr bwMode="auto">
+          <a:xfrm>
+            <a:off x="0" y="930275"/>
+            <a:ext cx="11576050" cy="3540125"/>
+          </a:xfrm>
+          <a:prstGeom prst="rect">
+            <a:avLst/>
+          </a:prstGeom>
+          <a:noFill/>
+          <a:ln>
+            <a:noFill/>
+          </a:ln>
+          <a:effectLst/>
+          <a:extLst>
+            <a:ext uri="{909E8E84-426E-40DD-AFC4-6F175D3DCCD1}">
+              <a14:hiddenFill xmlns:a14="http://schemas.microsoft.com/office/drawing/2010/main">
+                <a:solidFill>
+                  <a:schemeClr val="accent1"/>
+                </a:solidFill>
+              </a14:hiddenFill>
+            </a:ext>
+            <a:ext uri="{91240B29-F687-4F45-9708-019B960494DF}">
+              <a14:hiddenLine xmlns:a14="http://schemas.microsoft.com/office/drawing/2010/main" w="9525">
                 <a:solidFill>
                   <a:schemeClr val="tx1"/>
                 </a:solidFill>
-                <a:effectLst/>
-                <a:latin typeface="Times New Roman" panose="02020603050405020304" pitchFamily="18" charset="0"/>
-                <a:cs typeface="Times New Roman" panose="02020603050405020304" pitchFamily="18" charset="0"/>
-              </a:rPr>
-              <a:t> to help filter content by rating.</a:t>
-            </a:r>
-          </a:p>
+                <a:miter lim="800000"/>
+                <a:headEnd/>
+                <a:tailEnd/>
+              </a14:hiddenLine>
+            </a:ext>
+            <a:ext uri="{AF507438-7753-43E0-B8FC-AC1667EBCBE1}">
+              <a14:hiddenEffects xmlns:a14="http://schemas.microsoft.com/office/drawing/2010/main">
+                <a:effectLst>
+                  <a:outerShdw dist="35921" dir="2700000" algn="ctr" rotWithShape="0">
+                    <a:schemeClr val="bg2"/>
+                  </a:outerShdw>
+                </a:effectLst>
+              </a14:hiddenEffects>
+            </a:ext>
+          </a:extLst>
+        </p:spPr>
+        <p:txBody>
+          <a:bodyPr vert="horz" wrap="square" lIns="91440" tIns="45720" rIns="91440" bIns="45720" numCol="1" anchor="ctr" anchorCtr="0" compatLnSpc="1">
+            <a:prstTxWarp prst="textNoShape">
+              <a:avLst/>
+            </a:prstTxWarp>
+            <a:spAutoFit/>
+          </a:bodyPr>
+          <a:lstStyle/>
           <a:p>
             <a:pPr marL="0" marR="0" lvl="0" indent="0" algn="l" defTabSz="914400" rtl="0" eaLnBrk="0" fontAlgn="base" latinLnBrk="0" hangingPunct="0">
               <a:lnSpc>
@@ -4713,7 +4846,7 @@
                 <a:latin typeface="Times New Roman" panose="02020603050405020304" pitchFamily="18" charset="0"/>
                 <a:cs typeface="Times New Roman" panose="02020603050405020304" pitchFamily="18" charset="0"/>
               </a:rPr>
-              <a:t>Include </a:t>
+              <a:t>Use the ML model as a </a:t>
             </a:r>
             <a:r>
               <a:rPr kumimoji="0" lang="en-US" altLang="en-US" sz="2800" b="1" i="0" u="none" strike="noStrike" cap="none" normalizeH="0" baseline="0" dirty="0">
@@ -4727,7 +4860,7 @@
                 <a:latin typeface="Times New Roman" panose="02020603050405020304" pitchFamily="18" charset="0"/>
                 <a:cs typeface="Times New Roman" panose="02020603050405020304" pitchFamily="18" charset="0"/>
               </a:rPr>
-              <a:t>image/audio features</a:t>
+              <a:t>pre-screening tool</a:t>
             </a:r>
             <a:r>
               <a:rPr kumimoji="0" lang="en-US" altLang="en-US" sz="2800" b="0" i="0" u="none" strike="noStrike" cap="none" normalizeH="0" baseline="0" dirty="0">
@@ -4741,7 +4874,7 @@
                 <a:latin typeface="Times New Roman" panose="02020603050405020304" pitchFamily="18" charset="0"/>
                 <a:cs typeface="Times New Roman" panose="02020603050405020304" pitchFamily="18" charset="0"/>
               </a:rPr>
-              <a:t> for richer content classification.</a:t>
+              <a:t> for faster content review.</a:t>
             </a:r>
           </a:p>
           <a:p>
@@ -4762,6 +4895,352 @@
               <a:tabLst/>
             </a:pPr>
             <a:r>
+              <a:rPr kumimoji="0" lang="en-US" altLang="en-US" sz="2800" b="1" i="0" u="none" strike="noStrike" cap="none" normalizeH="0" baseline="0" dirty="0">
+                <a:ln>
+                  <a:noFill/>
+                </a:ln>
+                <a:solidFill>
+                  <a:schemeClr val="tx1"/>
+                </a:solidFill>
+                <a:effectLst/>
+                <a:latin typeface="Times New Roman" panose="02020603050405020304" pitchFamily="18" charset="0"/>
+                <a:cs typeface="Times New Roman" panose="02020603050405020304" pitchFamily="18" charset="0"/>
+              </a:rPr>
+              <a:t>Integrate API</a:t>
+            </a:r>
+            <a:r>
+              <a:rPr kumimoji="0" lang="en-US" altLang="en-US" sz="2800" b="0" i="0" u="none" strike="noStrike" cap="none" normalizeH="0" baseline="0" dirty="0">
+                <a:ln>
+                  <a:noFill/>
+                </a:ln>
+                <a:solidFill>
+                  <a:schemeClr val="tx1"/>
+                </a:solidFill>
+                <a:effectLst/>
+                <a:latin typeface="Times New Roman" panose="02020603050405020304" pitchFamily="18" charset="0"/>
+                <a:cs typeface="Times New Roman" panose="02020603050405020304" pitchFamily="18" charset="0"/>
+              </a:rPr>
+              <a:t> with KFCB or streaming platforms for real-time classification.</a:t>
+            </a:r>
+          </a:p>
+          <a:p>
+            <a:pPr marL="0" marR="0" lvl="0" indent="0" algn="l" defTabSz="914400" rtl="0" eaLnBrk="0" fontAlgn="base" latinLnBrk="0" hangingPunct="0">
+              <a:lnSpc>
+                <a:spcPct val="100000"/>
+              </a:lnSpc>
+              <a:spcBef>
+                <a:spcPct val="0"/>
+              </a:spcBef>
+              <a:spcAft>
+                <a:spcPct val="0"/>
+              </a:spcAft>
+              <a:buClrTx/>
+              <a:buSzTx/>
+              <a:buFontTx/>
+              <a:buChar char="•"/>
+              <a:tabLst/>
+            </a:pPr>
+            <a:r>
+              <a:rPr kumimoji="0" lang="en-US" altLang="en-US" sz="2800" b="0" i="0" u="none" strike="noStrike" cap="none" normalizeH="0" baseline="0" dirty="0">
+                <a:ln>
+                  <a:noFill/>
+                </a:ln>
+                <a:solidFill>
+                  <a:schemeClr val="tx1"/>
+                </a:solidFill>
+                <a:effectLst/>
+                <a:latin typeface="Times New Roman" panose="02020603050405020304" pitchFamily="18" charset="0"/>
+                <a:cs typeface="Times New Roman" panose="02020603050405020304" pitchFamily="18" charset="0"/>
+              </a:rPr>
+              <a:t>Switch to </a:t>
+            </a:r>
+            <a:r>
+              <a:rPr kumimoji="0" lang="en-US" altLang="en-US" sz="2800" b="1" i="0" u="none" strike="noStrike" cap="none" normalizeH="0" baseline="0" dirty="0">
+                <a:ln>
+                  <a:noFill/>
+                </a:ln>
+                <a:solidFill>
+                  <a:schemeClr val="tx1"/>
+                </a:solidFill>
+                <a:effectLst/>
+                <a:latin typeface="Times New Roman" panose="02020603050405020304" pitchFamily="18" charset="0"/>
+                <a:cs typeface="Times New Roman" panose="02020603050405020304" pitchFamily="18" charset="0"/>
+              </a:rPr>
+              <a:t>transformer models</a:t>
+            </a:r>
+            <a:r>
+              <a:rPr kumimoji="0" lang="en-US" altLang="en-US" sz="2800" b="0" i="0" u="none" strike="noStrike" cap="none" normalizeH="0" baseline="0" dirty="0">
+                <a:ln>
+                  <a:noFill/>
+                </a:ln>
+                <a:solidFill>
+                  <a:schemeClr val="tx1"/>
+                </a:solidFill>
+                <a:effectLst/>
+                <a:latin typeface="Times New Roman" panose="02020603050405020304" pitchFamily="18" charset="0"/>
+                <a:cs typeface="Times New Roman" panose="02020603050405020304" pitchFamily="18" charset="0"/>
+              </a:rPr>
+              <a:t> (e.g., BERT) for better text analysis.</a:t>
+            </a:r>
+          </a:p>
+          <a:p>
+            <a:pPr marL="0" marR="0" lvl="0" indent="0" algn="l" defTabSz="914400" rtl="0" eaLnBrk="0" fontAlgn="base" latinLnBrk="0" hangingPunct="0">
+              <a:lnSpc>
+                <a:spcPct val="100000"/>
+              </a:lnSpc>
+              <a:spcBef>
+                <a:spcPct val="0"/>
+              </a:spcBef>
+              <a:spcAft>
+                <a:spcPct val="0"/>
+              </a:spcAft>
+              <a:buClrTx/>
+              <a:buSzTx/>
+              <a:buFontTx/>
+              <a:buChar char="•"/>
+              <a:tabLst/>
+            </a:pPr>
+            <a:r>
+              <a:rPr kumimoji="0" lang="en-US" altLang="en-US" sz="2800" b="0" i="0" u="none" strike="noStrike" cap="none" normalizeH="0" baseline="0" dirty="0">
+                <a:ln>
+                  <a:noFill/>
+                </a:ln>
+                <a:solidFill>
+                  <a:schemeClr val="tx1"/>
+                </a:solidFill>
+                <a:effectLst/>
+                <a:latin typeface="Times New Roman" panose="02020603050405020304" pitchFamily="18" charset="0"/>
+                <a:cs typeface="Times New Roman" panose="02020603050405020304" pitchFamily="18" charset="0"/>
+              </a:rPr>
+              <a:t>Apply </a:t>
+            </a:r>
+            <a:r>
+              <a:rPr kumimoji="0" lang="en-US" altLang="en-US" sz="2800" b="1" i="0" u="none" strike="noStrike" cap="none" normalizeH="0" baseline="0" dirty="0">
+                <a:ln>
+                  <a:noFill/>
+                </a:ln>
+                <a:solidFill>
+                  <a:schemeClr val="tx1"/>
+                </a:solidFill>
+                <a:effectLst/>
+                <a:latin typeface="Times New Roman" panose="02020603050405020304" pitchFamily="18" charset="0"/>
+                <a:cs typeface="Times New Roman" panose="02020603050405020304" pitchFamily="18" charset="0"/>
+              </a:rPr>
+              <a:t>SMOTE or class weighting</a:t>
+            </a:r>
+            <a:r>
+              <a:rPr kumimoji="0" lang="en-US" altLang="en-US" sz="2800" b="0" i="0" u="none" strike="noStrike" cap="none" normalizeH="0" baseline="0" dirty="0">
+                <a:ln>
+                  <a:noFill/>
+                </a:ln>
+                <a:solidFill>
+                  <a:schemeClr val="tx1"/>
+                </a:solidFill>
+                <a:effectLst/>
+                <a:latin typeface="Times New Roman" panose="02020603050405020304" pitchFamily="18" charset="0"/>
+                <a:cs typeface="Times New Roman" panose="02020603050405020304" pitchFamily="18" charset="0"/>
+              </a:rPr>
+              <a:t> to handle rating imbalance.</a:t>
+            </a:r>
+          </a:p>
+          <a:p>
+            <a:pPr marL="0" marR="0" lvl="0" indent="0" algn="l" defTabSz="914400" rtl="0" eaLnBrk="0" fontAlgn="base" latinLnBrk="0" hangingPunct="0">
+              <a:lnSpc>
+                <a:spcPct val="100000"/>
+              </a:lnSpc>
+              <a:spcBef>
+                <a:spcPct val="0"/>
+              </a:spcBef>
+              <a:spcAft>
+                <a:spcPct val="0"/>
+              </a:spcAft>
+              <a:buClrTx/>
+              <a:buSzTx/>
+              <a:buFontTx/>
+              <a:buChar char="•"/>
+              <a:tabLst/>
+            </a:pPr>
+            <a:r>
+              <a:rPr kumimoji="0" lang="en-US" altLang="en-US" sz="2800" b="0" i="0" u="none" strike="noStrike" cap="none" normalizeH="0" baseline="0" dirty="0">
+                <a:ln>
+                  <a:noFill/>
+                </a:ln>
+                <a:solidFill>
+                  <a:schemeClr val="tx1"/>
+                </a:solidFill>
+                <a:effectLst/>
+                <a:latin typeface="Times New Roman" panose="02020603050405020304" pitchFamily="18" charset="0"/>
+                <a:cs typeface="Times New Roman" panose="02020603050405020304" pitchFamily="18" charset="0"/>
+              </a:rPr>
+              <a:t>Add </a:t>
+            </a:r>
+            <a:r>
+              <a:rPr kumimoji="0" lang="en-US" altLang="en-US" sz="2800" b="1" i="0" u="none" strike="noStrike" cap="none" normalizeH="0" baseline="0" dirty="0">
+                <a:ln>
+                  <a:noFill/>
+                </a:ln>
+                <a:solidFill>
+                  <a:schemeClr val="tx1"/>
+                </a:solidFill>
+                <a:effectLst/>
+                <a:latin typeface="Times New Roman" panose="02020603050405020304" pitchFamily="18" charset="0"/>
+                <a:cs typeface="Times New Roman" panose="02020603050405020304" pitchFamily="18" charset="0"/>
+              </a:rPr>
+              <a:t>human-in-the-loop</a:t>
+            </a:r>
+            <a:r>
+              <a:rPr kumimoji="0" lang="en-US" altLang="en-US" sz="2800" b="0" i="0" u="none" strike="noStrike" cap="none" normalizeH="0" baseline="0" dirty="0">
+                <a:ln>
+                  <a:noFill/>
+                </a:ln>
+                <a:solidFill>
+                  <a:schemeClr val="tx1"/>
+                </a:solidFill>
+                <a:effectLst/>
+                <a:latin typeface="Times New Roman" panose="02020603050405020304" pitchFamily="18" charset="0"/>
+                <a:cs typeface="Times New Roman" panose="02020603050405020304" pitchFamily="18" charset="0"/>
+              </a:rPr>
+              <a:t> feedback to improve accuracy over time.</a:t>
+            </a:r>
+          </a:p>
+          <a:p>
+            <a:pPr marL="0" marR="0" lvl="0" indent="0" algn="l" defTabSz="914400" rtl="0" eaLnBrk="0" fontAlgn="base" latinLnBrk="0" hangingPunct="0">
+              <a:lnSpc>
+                <a:spcPct val="100000"/>
+              </a:lnSpc>
+              <a:spcBef>
+                <a:spcPct val="0"/>
+              </a:spcBef>
+              <a:spcAft>
+                <a:spcPct val="0"/>
+              </a:spcAft>
+              <a:buClrTx/>
+              <a:buSzTx/>
+              <a:buFontTx/>
+              <a:buChar char="•"/>
+              <a:tabLst/>
+            </a:pPr>
+            <a:r>
+              <a:rPr kumimoji="0" lang="en-US" altLang="en-US" sz="2800" b="0" i="0" u="none" strike="noStrike" cap="none" normalizeH="0" baseline="0" dirty="0">
+                <a:ln>
+                  <a:noFill/>
+                </a:ln>
+                <a:solidFill>
+                  <a:schemeClr val="tx1"/>
+                </a:solidFill>
+                <a:effectLst/>
+                <a:latin typeface="Times New Roman" panose="02020603050405020304" pitchFamily="18" charset="0"/>
+                <a:cs typeface="Times New Roman" panose="02020603050405020304" pitchFamily="18" charset="0"/>
+              </a:rPr>
+              <a:t>Build a </a:t>
+            </a:r>
+            <a:r>
+              <a:rPr kumimoji="0" lang="en-US" altLang="en-US" sz="2800" b="1" i="0" u="none" strike="noStrike" cap="none" normalizeH="0" baseline="0" dirty="0">
+                <a:ln>
+                  <a:noFill/>
+                </a:ln>
+                <a:solidFill>
+                  <a:schemeClr val="tx1"/>
+                </a:solidFill>
+                <a:effectLst/>
+                <a:latin typeface="Times New Roman" panose="02020603050405020304" pitchFamily="18" charset="0"/>
+                <a:cs typeface="Times New Roman" panose="02020603050405020304" pitchFamily="18" charset="0"/>
+              </a:rPr>
+              <a:t>parental control app</a:t>
+            </a:r>
+            <a:r>
+              <a:rPr kumimoji="0" lang="en-US" altLang="en-US" sz="2800" b="0" i="0" u="none" strike="noStrike" cap="none" normalizeH="0" baseline="0" dirty="0">
+                <a:ln>
+                  <a:noFill/>
+                </a:ln>
+                <a:solidFill>
+                  <a:schemeClr val="tx1"/>
+                </a:solidFill>
+                <a:effectLst/>
+                <a:latin typeface="Times New Roman" panose="02020603050405020304" pitchFamily="18" charset="0"/>
+                <a:cs typeface="Times New Roman" panose="02020603050405020304" pitchFamily="18" charset="0"/>
+              </a:rPr>
+              <a:t> to help filter content by rating.</a:t>
+            </a:r>
+          </a:p>
+          <a:p>
+            <a:pPr marL="0" marR="0" lvl="0" indent="0" algn="l" defTabSz="914400" rtl="0" eaLnBrk="0" fontAlgn="base" latinLnBrk="0" hangingPunct="0">
+              <a:lnSpc>
+                <a:spcPct val="100000"/>
+              </a:lnSpc>
+              <a:spcBef>
+                <a:spcPct val="0"/>
+              </a:spcBef>
+              <a:spcAft>
+                <a:spcPct val="0"/>
+              </a:spcAft>
+              <a:buClrTx/>
+              <a:buSzTx/>
+              <a:buFontTx/>
+              <a:buChar char="•"/>
+              <a:tabLst/>
+            </a:pPr>
+            <a:r>
+              <a:rPr kumimoji="0" lang="en-US" altLang="en-US" sz="2800" b="0" i="0" u="none" strike="noStrike" cap="none" normalizeH="0" baseline="0" dirty="0">
+                <a:ln>
+                  <a:noFill/>
+                </a:ln>
+                <a:solidFill>
+                  <a:schemeClr val="tx1"/>
+                </a:solidFill>
+                <a:effectLst/>
+                <a:latin typeface="Times New Roman" panose="02020603050405020304" pitchFamily="18" charset="0"/>
+                <a:cs typeface="Times New Roman" panose="02020603050405020304" pitchFamily="18" charset="0"/>
+              </a:rPr>
+              <a:t>Include </a:t>
+            </a:r>
+            <a:r>
+              <a:rPr kumimoji="0" lang="en-US" altLang="en-US" sz="2800" b="1" i="0" u="none" strike="noStrike" cap="none" normalizeH="0" baseline="0" dirty="0">
+                <a:ln>
+                  <a:noFill/>
+                </a:ln>
+                <a:solidFill>
+                  <a:schemeClr val="tx1"/>
+                </a:solidFill>
+                <a:effectLst/>
+                <a:latin typeface="Times New Roman" panose="02020603050405020304" pitchFamily="18" charset="0"/>
+                <a:cs typeface="Times New Roman" panose="02020603050405020304" pitchFamily="18" charset="0"/>
+              </a:rPr>
+              <a:t>image/audio features</a:t>
+            </a:r>
+            <a:r>
+              <a:rPr kumimoji="0" lang="en-US" altLang="en-US" sz="2800" b="0" i="0" u="none" strike="noStrike" cap="none" normalizeH="0" baseline="0" dirty="0">
+                <a:ln>
+                  <a:noFill/>
+                </a:ln>
+                <a:solidFill>
+                  <a:schemeClr val="tx1"/>
+                </a:solidFill>
+                <a:effectLst/>
+                <a:latin typeface="Times New Roman" panose="02020603050405020304" pitchFamily="18" charset="0"/>
+                <a:cs typeface="Times New Roman" panose="02020603050405020304" pitchFamily="18" charset="0"/>
+              </a:rPr>
+              <a:t> for richer content classification.</a:t>
+            </a:r>
+          </a:p>
+          <a:p>
+            <a:pPr marL="0" marR="0" lvl="0" indent="0" algn="l" defTabSz="914400" rtl="0" eaLnBrk="0" fontAlgn="base" latinLnBrk="0" hangingPunct="0">
+              <a:lnSpc>
+                <a:spcPct val="100000"/>
+              </a:lnSpc>
+              <a:spcBef>
+                <a:spcPct val="0"/>
+              </a:spcBef>
+              <a:spcAft>
+                <a:spcPct val="0"/>
+              </a:spcAft>
+              <a:buClrTx/>
+              <a:buSzTx/>
+              <a:buFontTx/>
+              <a:buChar char="•"/>
+              <a:tabLst/>
+            </a:pPr>
+            <a:r>
               <a:rPr kumimoji="0" lang="en-US" altLang="en-US" sz="2800" b="0" i="0" u="none" strike="noStrike" cap="none" normalizeH="0" baseline="0" dirty="0">
                 <a:ln>
                   <a:noFill/>
@@ -4882,7 +5361,7 @@
 </p:sld>
 </file>
 
-<file path=ppt/slides/slide11.xml><?xml version="1.0" encoding="utf-8"?>
+<file path=ppt/slides/slide12.xml><?xml version="1.0" encoding="utf-8"?>
 <p:sld xmlns:a="http://schemas.openxmlformats.org/drawingml/2006/main" xmlns:r="http://schemas.openxmlformats.org/officeDocument/2006/relationships" xmlns:p="http://schemas.openxmlformats.org/presentationml/2006/main">
   <p:cSld>
     <p:spTree>
@@ -4976,7 +5455,7 @@
 </p:sld>
 </file>
 
-<file path=ppt/slides/slide12.xml><?xml version="1.0" encoding="utf-8"?>
+<file path=ppt/slides/slide13.xml><?xml version="1.0" encoding="utf-8"?>
 <p:sld xmlns:a="http://schemas.openxmlformats.org/drawingml/2006/main" xmlns:r="http://schemas.openxmlformats.org/officeDocument/2006/relationships" xmlns:p="http://schemas.openxmlformats.org/presentationml/2006/main">
   <p:cSld>
     <p:spTree>
@@ -6760,100 +7239,6 @@
           </a:p>
         </p:txBody>
       </p:sp>
-      <p:grpSp>
-        <p:nvGrpSpPr>
-          <p:cNvPr id="6" name="object 6"/>
-          <p:cNvGrpSpPr/>
-          <p:nvPr/>
-        </p:nvGrpSpPr>
-        <p:grpSpPr>
-          <a:xfrm>
-            <a:off x="4267200" y="470479"/>
-            <a:ext cx="5334000" cy="4158579"/>
-            <a:chOff x="452437" y="1096517"/>
-            <a:chExt cx="5309235" cy="4390390"/>
-          </a:xfrm>
-        </p:grpSpPr>
-        <p:pic>
-          <p:nvPicPr>
-            <p:cNvPr id="7" name="object 7"/>
-            <p:cNvPicPr/>
-            <p:nvPr/>
-          </p:nvPicPr>
-          <p:blipFill>
-            <a:blip r:embed="rId2">
-              <a:extLst>
-                <a:ext uri="{28A0092B-C50C-407E-A947-70E740481C1C}">
-                  <a14:useLocalDpi xmlns:a14="http://schemas.microsoft.com/office/drawing/2010/main" val="0"/>
-                </a:ext>
-              </a:extLst>
-            </a:blip>
-            <a:srcRect/>
-            <a:stretch/>
-          </p:blipFill>
-          <p:spPr>
-            <a:xfrm>
-              <a:off x="640057" y="1198051"/>
-              <a:ext cx="4933866" cy="4158436"/>
-            </a:xfrm>
-            <a:prstGeom prst="rect">
-              <a:avLst/>
-            </a:prstGeom>
-          </p:spPr>
-        </p:pic>
-        <p:sp>
-          <p:nvSpPr>
-            <p:cNvPr id="8" name="object 8"/>
-            <p:cNvSpPr/>
-            <p:nvPr/>
-          </p:nvSpPr>
-          <p:spPr>
-            <a:xfrm>
-              <a:off x="452437" y="1096517"/>
-              <a:ext cx="5309235" cy="4390390"/>
-            </a:xfrm>
-            <a:custGeom>
-              <a:avLst/>
-              <a:gdLst/>
-              <a:ahLst/>
-              <a:cxnLst/>
-              <a:rect l="l" t="t" r="r" b="b"/>
-              <a:pathLst>
-                <a:path w="5309235" h="4390390">
-                  <a:moveTo>
-                    <a:pt x="0" y="4390390"/>
-                  </a:moveTo>
-                  <a:lnTo>
-                    <a:pt x="5309108" y="4390390"/>
-                  </a:lnTo>
-                  <a:lnTo>
-                    <a:pt x="5309108" y="0"/>
-                  </a:lnTo>
-                  <a:lnTo>
-                    <a:pt x="0" y="0"/>
-                  </a:lnTo>
-                  <a:lnTo>
-                    <a:pt x="0" y="4390390"/>
-                  </a:lnTo>
-                  <a:close/>
-                </a:path>
-              </a:pathLst>
-            </a:custGeom>
-            <a:ln w="9525">
-              <a:solidFill>
-                <a:srgbClr val="1C4586"/>
-              </a:solidFill>
-            </a:ln>
-          </p:spPr>
-          <p:txBody>
-            <a:bodyPr wrap="square" lIns="0" tIns="0" rIns="0" bIns="0" rtlCol="0"/>
-            <a:lstStyle/>
-            <a:p>
-              <a:endParaRPr/>
-            </a:p>
-          </p:txBody>
-        </p:sp>
-      </p:grpSp>
       <p:sp>
         <p:nvSpPr>
           <p:cNvPr id="12" name="TextBox 11">
@@ -6943,7 +7328,7 @@
                 <a:latin typeface="Times New Roman" panose="02020603050405020304" pitchFamily="18" charset="0"/>
                 <a:cs typeface="Times New Roman" panose="02020603050405020304" pitchFamily="18" charset="0"/>
               </a:rPr>
-              <a:t>0.7472</a:t>
+              <a:t>0.76</a:t>
             </a:r>
             <a:endParaRPr lang="en-US" dirty="0">
               <a:latin typeface="Times New Roman" panose="02020603050405020304" pitchFamily="18" charset="0"/>
@@ -6988,6 +7373,42 @@
           </a:p>
         </p:txBody>
       </p:sp>
+      <p:pic>
+        <p:nvPicPr>
+          <p:cNvPr id="9" name="Picture 8">
+            <a:extLst>
+              <a:ext uri="{FF2B5EF4-FFF2-40B4-BE49-F238E27FC236}">
+                <a16:creationId xmlns:a16="http://schemas.microsoft.com/office/drawing/2014/main" id="{F6D0F4FC-0A62-9C88-B37F-B209316E87C4}"/>
+              </a:ext>
+            </a:extLst>
+          </p:cNvPr>
+          <p:cNvPicPr>
+            <a:picLocks noChangeAspect="1"/>
+          </p:cNvPicPr>
+          <p:nvPr/>
+        </p:nvPicPr>
+        <p:blipFill>
+          <a:blip r:embed="rId2">
+            <a:extLst>
+              <a:ext uri="{28A0092B-C50C-407E-A947-70E740481C1C}">
+                <a14:useLocalDpi xmlns:a14="http://schemas.microsoft.com/office/drawing/2010/main" val="0"/>
+              </a:ext>
+            </a:extLst>
+          </a:blip>
+          <a:stretch>
+            <a:fillRect/>
+          </a:stretch>
+        </p:blipFill>
+        <p:spPr>
+          <a:xfrm>
+            <a:off x="4819831" y="481646"/>
+            <a:ext cx="5009969" cy="4207138"/>
+          </a:xfrm>
+          <a:prstGeom prst="rect">
+            <a:avLst/>
+          </a:prstGeom>
+        </p:spPr>
+      </p:pic>
     </p:spTree>
   </p:cSld>
   <p:clrMapOvr>
